--- a/faucets.pptx
+++ b/faucets.pptx
@@ -198,7 +198,7 @@
           <a:p>
             <a:fld id="{D2843BDE-B8C0-934E-9704-CBA3B88C1FB8}" type="datetimeFigureOut">
               <a:rPr lang="en-US" smtClean="0"/>
-              <a:t>1/31/24</a:t>
+              <a:t>10/19/24</a:t>
             </a:fld>
             <a:endParaRPr lang="en-US"/>
           </a:p>
@@ -803,7 +803,7 @@
           <a:lstStyle/>
           <a:p>
             <a:fld id="{5F491023-0B0A-7041-9F06-D25A50EF063B}" type="datetimeFigureOut">
-              <a:t>1/31/24</a:t>
+              <a:t>10/19/24</a:t>
             </a:fld>
             <a:endParaRPr lang="en-US"/>
           </a:p>
@@ -999,7 +999,7 @@
           <a:lstStyle/>
           <a:p>
             <a:fld id="{5F491023-0B0A-7041-9F06-D25A50EF063B}" type="datetimeFigureOut">
-              <a:t>1/31/24</a:t>
+              <a:t>10/19/24</a:t>
             </a:fld>
             <a:endParaRPr lang="en-US"/>
           </a:p>
@@ -1205,7 +1205,7 @@
           <a:lstStyle/>
           <a:p>
             <a:fld id="{5F491023-0B0A-7041-9F06-D25A50EF063B}" type="datetimeFigureOut">
-              <a:t>1/31/24</a:t>
+              <a:t>10/19/24</a:t>
             </a:fld>
             <a:endParaRPr lang="en-US"/>
           </a:p>
@@ -1401,7 +1401,7 @@
           <a:lstStyle/>
           <a:p>
             <a:fld id="{5F491023-0B0A-7041-9F06-D25A50EF063B}" type="datetimeFigureOut">
-              <a:t>1/31/24</a:t>
+              <a:t>10/19/24</a:t>
             </a:fld>
             <a:endParaRPr lang="en-US"/>
           </a:p>
@@ -1674,7 +1674,7 @@
           <a:lstStyle/>
           <a:p>
             <a:fld id="{5F491023-0B0A-7041-9F06-D25A50EF063B}" type="datetimeFigureOut">
-              <a:t>1/31/24</a:t>
+              <a:t>10/19/24</a:t>
             </a:fld>
             <a:endParaRPr lang="en-US"/>
           </a:p>
@@ -1937,7 +1937,7 @@
           <a:lstStyle/>
           <a:p>
             <a:fld id="{5F491023-0B0A-7041-9F06-D25A50EF063B}" type="datetimeFigureOut">
-              <a:t>1/31/24</a:t>
+              <a:t>10/19/24</a:t>
             </a:fld>
             <a:endParaRPr lang="en-US"/>
           </a:p>
@@ -2347,7 +2347,7 @@
           <a:lstStyle/>
           <a:p>
             <a:fld id="{5F491023-0B0A-7041-9F06-D25A50EF063B}" type="datetimeFigureOut">
-              <a:t>1/31/24</a:t>
+              <a:t>10/19/24</a:t>
             </a:fld>
             <a:endParaRPr lang="en-US"/>
           </a:p>
@@ -2486,7 +2486,7 @@
           <a:lstStyle/>
           <a:p>
             <a:fld id="{5F491023-0B0A-7041-9F06-D25A50EF063B}" type="datetimeFigureOut">
-              <a:t>1/31/24</a:t>
+              <a:t>10/19/24</a:t>
             </a:fld>
             <a:endParaRPr lang="en-US"/>
           </a:p>
@@ -2597,7 +2597,7 @@
           <a:lstStyle/>
           <a:p>
             <a:fld id="{5F491023-0B0A-7041-9F06-D25A50EF063B}" type="datetimeFigureOut">
-              <a:t>1/31/24</a:t>
+              <a:t>10/19/24</a:t>
             </a:fld>
             <a:endParaRPr lang="en-US"/>
           </a:p>
@@ -2906,7 +2906,7 @@
           <a:lstStyle/>
           <a:p>
             <a:fld id="{5F491023-0B0A-7041-9F06-D25A50EF063B}" type="datetimeFigureOut">
-              <a:t>1/31/24</a:t>
+              <a:t>10/19/24</a:t>
             </a:fld>
             <a:endParaRPr lang="en-US"/>
           </a:p>
@@ -3192,7 +3192,7 @@
           <a:lstStyle/>
           <a:p>
             <a:fld id="{5F491023-0B0A-7041-9F06-D25A50EF063B}" type="datetimeFigureOut">
-              <a:t>1/31/24</a:t>
+              <a:t>10/19/24</a:t>
             </a:fld>
             <a:endParaRPr lang="en-US"/>
           </a:p>
@@ -3431,7 +3431,7 @@
           </a:lstStyle>
           <a:p>
             <a:fld id="{5F491023-0B0A-7041-9F06-D25A50EF063B}" type="datetimeFigureOut">
-              <a:t>1/31/24</a:t>
+              <a:t>10/19/24</a:t>
             </a:fld>
             <a:endParaRPr lang="en-US"/>
           </a:p>
@@ -4565,7 +4565,7 @@
         <p:spPr>
           <a:xfrm>
             <a:off x="46839" y="479179"/>
-            <a:ext cx="5019324" cy="6340197"/>
+            <a:ext cx="4425123" cy="5447645"/>
           </a:xfrm>
           <a:prstGeom prst="rect">
             <a:avLst/>
@@ -4579,7 +4579,7 @@
           <a:lstStyle/>
           <a:p>
             <a:r>
-              <a:rPr lang="en-US" sz="1400" b="0" i="0" dirty="0">
+              <a:rPr lang="en-US" sz="1200" b="0" i="0" dirty="0">
                 <a:solidFill>
                   <a:srgbClr val="131313"/>
                 </a:solidFill>
@@ -4592,18 +4592,18 @@
           </a:p>
           <a:p>
             <a:r>
-              <a:rPr lang="en-US" sz="1400" dirty="0">
+              <a:rPr lang="en-US" sz="1200" dirty="0">
                 <a:solidFill>
                   <a:srgbClr val="131313"/>
                 </a:solidFill>
                 <a:latin typeface="Calibri" panose="020F0502020204030204" pitchFamily="34" charset="0"/>
                 <a:cs typeface="Calibri" panose="020F0502020204030204" pitchFamily="34" charset="0"/>
               </a:rPr>
-              <a:t>with RP46463 cartridge.</a:t>
-            </a:r>
-          </a:p>
-          <a:p>
-            <a:endParaRPr lang="en-US" sz="1400" b="0" i="0" dirty="0">
+              <a:t>with RP46463 cartridge – made after 2006.</a:t>
+            </a:r>
+          </a:p>
+          <a:p>
+            <a:endParaRPr lang="en-US" sz="1200" b="0" i="0" dirty="0">
               <a:solidFill>
                 <a:srgbClr val="131313"/>
               </a:solidFill>
@@ -4614,7 +4614,7 @@
           </a:p>
           <a:p>
             <a:r>
-              <a:rPr lang="en-US" sz="1400" b="0" i="0" dirty="0">
+              <a:rPr lang="en-US" sz="1200" b="0" i="0" dirty="0">
                 <a:solidFill>
                   <a:srgbClr val="131313"/>
                 </a:solidFill>
@@ -4627,7 +4627,7 @@
           </a:p>
           <a:p>
             <a:r>
-              <a:rPr lang="en-US" sz="1400" b="0" i="0" dirty="0">
+              <a:rPr lang="en-US" sz="1200" b="0" i="0" dirty="0">
                 <a:solidFill>
                   <a:srgbClr val="131313"/>
                 </a:solidFill>
@@ -4640,7 +4640,7 @@
           </a:p>
           <a:p>
             <a:r>
-              <a:rPr lang="en-US" sz="1400" dirty="0">
+              <a:rPr lang="en-US" sz="1200" dirty="0">
                 <a:solidFill>
                   <a:srgbClr val="131313"/>
                 </a:solidFill>
@@ -4650,7 +4650,7 @@
               <a:t>     </a:t>
             </a:r>
             <a:r>
-              <a:rPr lang="en-US" sz="1400" b="0" i="0" dirty="0" err="1">
+              <a:rPr lang="en-US" sz="1200" b="0" i="0" dirty="0" err="1">
                 <a:solidFill>
                   <a:srgbClr val="131313"/>
                 </a:solidFill>
@@ -4660,7 +4660,7 @@
               </a:rPr>
               <a:t>customerservice@deltafaucet.com</a:t>
             </a:r>
-            <a:endParaRPr lang="en-US" sz="1400" b="0" i="0" dirty="0">
+            <a:endParaRPr lang="en-US" sz="1200" b="0" i="0" dirty="0">
               <a:solidFill>
                 <a:srgbClr val="131313"/>
               </a:solidFill>
@@ -4671,7 +4671,7 @@
           </a:p>
           <a:p>
             <a:r>
-              <a:rPr lang="en-US" sz="1400" dirty="0">
+              <a:rPr lang="en-US" sz="1200" dirty="0">
                 <a:solidFill>
                   <a:srgbClr val="131313"/>
                 </a:solidFill>
@@ -4683,7 +4683,7 @@
           </a:p>
           <a:p>
             <a:r>
-              <a:rPr lang="en-US" sz="1400" b="0" i="0" dirty="0">
+              <a:rPr lang="en-US" sz="1200" b="0" i="0" dirty="0">
                 <a:solidFill>
                   <a:srgbClr val="131313"/>
                 </a:solidFill>
@@ -4695,14 +4695,14 @@
             </a:r>
           </a:p>
           <a:p>
-            <a:endParaRPr lang="en-US" sz="1400" dirty="0">
+            <a:endParaRPr lang="en-US" sz="1200" dirty="0">
               <a:latin typeface="Calibri" panose="020F0502020204030204" pitchFamily="34" charset="0"/>
               <a:cs typeface="Calibri" panose="020F0502020204030204" pitchFamily="34" charset="0"/>
             </a:endParaRPr>
           </a:p>
           <a:p>
             <a:r>
-              <a:rPr lang="en-US" sz="1400" b="0" i="0" dirty="0">
+              <a:rPr lang="en-US" sz="1200" b="0" i="0" dirty="0">
                 <a:solidFill>
                   <a:srgbClr val="131313"/>
                 </a:solidFill>
@@ -4715,31 +4715,15 @@
           </a:p>
           <a:p>
             <a:r>
-              <a:rPr lang="en-US" sz="1400" dirty="0">
+              <a:rPr lang="en-US" sz="1200" dirty="0">
                 <a:latin typeface="Calibri" panose="020F0502020204030204" pitchFamily="34" charset="0"/>
                 <a:cs typeface="Calibri" panose="020F0502020204030204" pitchFamily="34" charset="0"/>
                 <a:hlinkClick r:id="rId3"/>
               </a:rPr>
-              <a:t>https://</a:t>
-            </a:r>
-            <a:r>
-              <a:rPr lang="en-US" sz="1400" dirty="0" err="1">
-                <a:latin typeface="Calibri" panose="020F0502020204030204" pitchFamily="34" charset="0"/>
-                <a:cs typeface="Calibri" panose="020F0502020204030204" pitchFamily="34" charset="0"/>
-                <a:hlinkClick r:id="rId3"/>
-              </a:rPr>
-              <a:t>www.youtube.com</a:t>
-            </a:r>
-            <a:r>
-              <a:rPr lang="en-US" sz="1400" dirty="0">
-                <a:latin typeface="Calibri" panose="020F0502020204030204" pitchFamily="34" charset="0"/>
-                <a:cs typeface="Calibri" panose="020F0502020204030204" pitchFamily="34" charset="0"/>
-                <a:hlinkClick r:id="rId3"/>
-              </a:rPr>
-              <a:t>/</a:t>
-            </a:r>
-            <a:r>
-              <a:rPr lang="en-US" sz="1400" dirty="0" err="1">
+              <a:t>https://www.youtube.com/</a:t>
+            </a:r>
+            <a:r>
+              <a:rPr lang="en-US" sz="1200" dirty="0" err="1">
                 <a:latin typeface="Calibri" panose="020F0502020204030204" pitchFamily="34" charset="0"/>
                 <a:cs typeface="Calibri" panose="020F0502020204030204" pitchFamily="34" charset="0"/>
                 <a:hlinkClick r:id="rId3"/>
@@ -4747,48 +4731,48 @@
               <a:t>watch?v</a:t>
             </a:r>
             <a:r>
-              <a:rPr lang="en-US" sz="1400" dirty="0">
+              <a:rPr lang="en-US" sz="1200" dirty="0">
                 <a:latin typeface="Calibri" panose="020F0502020204030204" pitchFamily="34" charset="0"/>
                 <a:cs typeface="Calibri" panose="020F0502020204030204" pitchFamily="34" charset="0"/>
                 <a:hlinkClick r:id="rId3"/>
               </a:rPr>
               <a:t>=PrzEz4_SJL8</a:t>
             </a:r>
-            <a:endParaRPr lang="en-US" sz="1400" dirty="0">
+            <a:endParaRPr lang="en-US" sz="1200" dirty="0">
               <a:latin typeface="Calibri" panose="020F0502020204030204" pitchFamily="34" charset="0"/>
               <a:cs typeface="Calibri" panose="020F0502020204030204" pitchFamily="34" charset="0"/>
             </a:endParaRPr>
           </a:p>
           <a:p>
-            <a:endParaRPr lang="en-US" sz="1400" dirty="0">
+            <a:endParaRPr lang="en-US" sz="1200" dirty="0">
               <a:latin typeface="Calibri" panose="020F0502020204030204" pitchFamily="34" charset="0"/>
               <a:cs typeface="Calibri" panose="020F0502020204030204" pitchFamily="34" charset="0"/>
             </a:endParaRPr>
           </a:p>
           <a:p>
             <a:r>
-              <a:rPr lang="en-US" sz="1400" dirty="0">
+              <a:rPr lang="en-US" sz="1200" dirty="0">
                 <a:latin typeface="Calibri" panose="020F0502020204030204" pitchFamily="34" charset="0"/>
                 <a:cs typeface="Calibri" panose="020F0502020204030204" pitchFamily="34" charset="0"/>
               </a:rPr>
               <a:t>Search </a:t>
             </a:r>
             <a:r>
-              <a:rPr lang="en-US" sz="1400" dirty="0" err="1">
+              <a:rPr lang="en-US" sz="1200" dirty="0" err="1">
                 <a:latin typeface="Calibri" panose="020F0502020204030204" pitchFamily="34" charset="0"/>
                 <a:cs typeface="Calibri" panose="020F0502020204030204" pitchFamily="34" charset="0"/>
               </a:rPr>
               <a:t>youtube</a:t>
             </a:r>
             <a:r>
-              <a:rPr lang="en-US" sz="1400" dirty="0">
+              <a:rPr lang="en-US" sz="1200" dirty="0">
                 <a:latin typeface="Calibri" panose="020F0502020204030204" pitchFamily="34" charset="0"/>
                 <a:cs typeface="Calibri" panose="020F0502020204030204" pitchFamily="34" charset="0"/>
               </a:rPr>
               <a:t> for "</a:t>
             </a:r>
             <a:r>
-              <a:rPr lang="en-US" sz="1400" dirty="0">
+              <a:rPr lang="en-US" sz="1200" dirty="0">
                 <a:solidFill>
                   <a:srgbClr val="131313"/>
                 </a:solidFill>
@@ -4800,7 +4784,7 @@
           </a:p>
           <a:p>
             <a:r>
-              <a:rPr lang="en-US" sz="1400" dirty="0">
+              <a:rPr lang="en-US" sz="1200" dirty="0">
                 <a:solidFill>
                   <a:srgbClr val="131313"/>
                 </a:solidFill>
@@ -4809,66 +4793,34 @@
               </a:rPr>
               <a:t>how to replace, for example:</a:t>
             </a:r>
-            <a:endParaRPr lang="en-US" sz="1400" dirty="0">
+            <a:endParaRPr lang="en-US" sz="1200" dirty="0">
               <a:latin typeface="Calibri" panose="020F0502020204030204" pitchFamily="34" charset="0"/>
               <a:cs typeface="Calibri" panose="020F0502020204030204" pitchFamily="34" charset="0"/>
             </a:endParaRPr>
           </a:p>
           <a:p>
             <a:r>
-              <a:rPr lang="en-US" sz="1400" dirty="0">
+              <a:rPr lang="en-US" sz="1200" dirty="0">
                 <a:latin typeface="Calibri" panose="020F0502020204030204" pitchFamily="34" charset="0"/>
                 <a:cs typeface="Calibri" panose="020F0502020204030204" pitchFamily="34" charset="0"/>
                 <a:hlinkClick r:id="rId4"/>
               </a:rPr>
-              <a:t>https://</a:t>
-            </a:r>
-            <a:r>
-              <a:rPr lang="en-US" sz="1400" dirty="0" err="1">
-                <a:latin typeface="Calibri" panose="020F0502020204030204" pitchFamily="34" charset="0"/>
-                <a:cs typeface="Calibri" panose="020F0502020204030204" pitchFamily="34" charset="0"/>
-                <a:hlinkClick r:id="rId4"/>
-              </a:rPr>
-              <a:t>www.youtube.com</a:t>
-            </a:r>
-            <a:r>
-              <a:rPr lang="en-US" sz="1400" dirty="0">
-                <a:latin typeface="Calibri" panose="020F0502020204030204" pitchFamily="34" charset="0"/>
-                <a:cs typeface="Calibri" panose="020F0502020204030204" pitchFamily="34" charset="0"/>
-                <a:hlinkClick r:id="rId4"/>
-              </a:rPr>
-              <a:t>/</a:t>
-            </a:r>
-            <a:r>
-              <a:rPr lang="en-US" sz="1400" dirty="0" err="1">
-                <a:latin typeface="Calibri" panose="020F0502020204030204" pitchFamily="34" charset="0"/>
-                <a:cs typeface="Calibri" panose="020F0502020204030204" pitchFamily="34" charset="0"/>
-                <a:hlinkClick r:id="rId4"/>
-              </a:rPr>
-              <a:t>watch?v</a:t>
-            </a:r>
-            <a:r>
-              <a:rPr lang="en-US" sz="1400" dirty="0">
-                <a:latin typeface="Calibri" panose="020F0502020204030204" pitchFamily="34" charset="0"/>
-                <a:cs typeface="Calibri" panose="020F0502020204030204" pitchFamily="34" charset="0"/>
-                <a:hlinkClick r:id="rId4"/>
-              </a:rPr>
-              <a:t>=nF9jWuetjYA</a:t>
-            </a:r>
-            <a:endParaRPr lang="en-US" sz="1400" dirty="0">
+              <a:t>https://www.youtube.com/watch?v=nF9jWuetjYA</a:t>
+            </a:r>
+            <a:endParaRPr lang="en-US" sz="1200" dirty="0">
               <a:latin typeface="Calibri" panose="020F0502020204030204" pitchFamily="34" charset="0"/>
               <a:cs typeface="Calibri" panose="020F0502020204030204" pitchFamily="34" charset="0"/>
             </a:endParaRPr>
           </a:p>
           <a:p>
-            <a:endParaRPr lang="en-US" sz="1400" dirty="0">
+            <a:endParaRPr lang="en-US" sz="1200" dirty="0">
               <a:latin typeface="Calibri" panose="020F0502020204030204" pitchFamily="34" charset="0"/>
               <a:cs typeface="Calibri" panose="020F0502020204030204" pitchFamily="34" charset="0"/>
             </a:endParaRPr>
           </a:p>
           <a:p>
             <a:r>
-              <a:rPr lang="en-US" sz="1400" b="0" i="0" dirty="0">
+              <a:rPr lang="en-US" sz="1200" b="0" i="0" dirty="0">
                 <a:solidFill>
                   <a:srgbClr val="131313"/>
                 </a:solidFill>
@@ -4879,7 +4831,7 @@
               <a:t>Used </a:t>
             </a:r>
             <a:r>
-              <a:rPr lang="en-US" sz="1400" dirty="0">
+              <a:rPr lang="en-US" sz="1200" dirty="0">
                 <a:solidFill>
                   <a:srgbClr val="131313"/>
                 </a:solidFill>
@@ -4891,47 +4843,15 @@
           </a:p>
           <a:p>
             <a:r>
-              <a:rPr lang="en-US" sz="1400" dirty="0">
+              <a:rPr lang="en-US" sz="1200" dirty="0">
                 <a:latin typeface="Calibri" panose="020F0502020204030204" pitchFamily="34" charset="0"/>
                 <a:cs typeface="Calibri" panose="020F0502020204030204" pitchFamily="34" charset="0"/>
                 <a:hlinkClick r:id="rId5"/>
               </a:rPr>
-              <a:t>https://</a:t>
-            </a:r>
-            <a:r>
-              <a:rPr lang="en-US" sz="1400" dirty="0" err="1">
-                <a:latin typeface="Calibri" panose="020F0502020204030204" pitchFamily="34" charset="0"/>
-                <a:cs typeface="Calibri" panose="020F0502020204030204" pitchFamily="34" charset="0"/>
-                <a:hlinkClick r:id="rId5"/>
-              </a:rPr>
-              <a:t>www.youtube.com</a:t>
-            </a:r>
-            <a:r>
-              <a:rPr lang="en-US" sz="1400" dirty="0">
-                <a:latin typeface="Calibri" panose="020F0502020204030204" pitchFamily="34" charset="0"/>
-                <a:cs typeface="Calibri" panose="020F0502020204030204" pitchFamily="34" charset="0"/>
-                <a:hlinkClick r:id="rId5"/>
-              </a:rPr>
-              <a:t>/</a:t>
-            </a:r>
-            <a:r>
-              <a:rPr lang="en-US" sz="1400" dirty="0" err="1">
-                <a:latin typeface="Calibri" panose="020F0502020204030204" pitchFamily="34" charset="0"/>
-                <a:cs typeface="Calibri" panose="020F0502020204030204" pitchFamily="34" charset="0"/>
-                <a:hlinkClick r:id="rId5"/>
-              </a:rPr>
-              <a:t>watch?v</a:t>
-            </a:r>
-            <a:r>
-              <a:rPr lang="en-US" sz="1400" dirty="0">
-                <a:latin typeface="Calibri" panose="020F0502020204030204" pitchFamily="34" charset="0"/>
-                <a:cs typeface="Calibri" panose="020F0502020204030204" pitchFamily="34" charset="0"/>
-                <a:hlinkClick r:id="rId5"/>
-              </a:rPr>
-              <a:t>=32SHxO1NNSA</a:t>
-            </a:r>
-            <a:r>
-              <a:rPr lang="en-US" sz="1400" dirty="0">
+              <a:t>https://www.youtube.com/watch?v=32SHxO1NNSA</a:t>
+            </a:r>
+            <a:r>
+              <a:rPr lang="en-US" sz="1200" dirty="0">
                 <a:latin typeface="Calibri" panose="020F0502020204030204" pitchFamily="34" charset="0"/>
                 <a:cs typeface="Calibri" panose="020F0502020204030204" pitchFamily="34" charset="0"/>
               </a:rPr>
@@ -4939,7 +4859,7 @@
             </a:r>
           </a:p>
           <a:p>
-            <a:endParaRPr lang="en-US" sz="1400" dirty="0">
+            <a:endParaRPr lang="en-US" sz="1200" dirty="0">
               <a:solidFill>
                 <a:srgbClr val="131313"/>
               </a:solidFill>
@@ -4949,7 +4869,7 @@
           </a:p>
           <a:p>
             <a:r>
-              <a:rPr lang="en-US" sz="1400" dirty="0">
+              <a:rPr lang="en-US" sz="1200" dirty="0">
                 <a:solidFill>
                   <a:srgbClr val="131313"/>
                 </a:solidFill>
@@ -4961,7 +4881,7 @@
           </a:p>
           <a:p>
             <a:r>
-              <a:rPr lang="en-US" sz="1400" dirty="0">
+              <a:rPr lang="en-US" sz="1200" dirty="0">
                 <a:solidFill>
                   <a:srgbClr val="131313"/>
                 </a:solidFill>
@@ -4969,64 +4889,9 @@
                 <a:cs typeface="Calibri" panose="020F0502020204030204" pitchFamily="34" charset="0"/>
                 <a:hlinkClick r:id="rId6"/>
               </a:rPr>
-              <a:t>https://</a:t>
-            </a:r>
-            <a:r>
-              <a:rPr lang="en-US" sz="1400" dirty="0" err="1">
-                <a:solidFill>
-                  <a:srgbClr val="131313"/>
-                </a:solidFill>
-                <a:latin typeface="Calibri" panose="020F0502020204030204" pitchFamily="34" charset="0"/>
-                <a:cs typeface="Calibri" panose="020F0502020204030204" pitchFamily="34" charset="0"/>
-                <a:hlinkClick r:id="rId6"/>
-              </a:rPr>
-              <a:t>www.youtube.com</a:t>
-            </a:r>
-            <a:r>
-              <a:rPr lang="en-US" sz="1400" dirty="0">
-                <a:solidFill>
-                  <a:srgbClr val="131313"/>
-                </a:solidFill>
-                <a:latin typeface="Calibri" panose="020F0502020204030204" pitchFamily="34" charset="0"/>
-                <a:cs typeface="Calibri" panose="020F0502020204030204" pitchFamily="34" charset="0"/>
-                <a:hlinkClick r:id="rId6"/>
-              </a:rPr>
-              <a:t>/</a:t>
-            </a:r>
-            <a:r>
-              <a:rPr lang="en-US" sz="1400" dirty="0" err="1">
-                <a:solidFill>
-                  <a:srgbClr val="131313"/>
-                </a:solidFill>
-                <a:latin typeface="Calibri" panose="020F0502020204030204" pitchFamily="34" charset="0"/>
-                <a:cs typeface="Calibri" panose="020F0502020204030204" pitchFamily="34" charset="0"/>
-                <a:hlinkClick r:id="rId6"/>
-              </a:rPr>
-              <a:t>watch?v</a:t>
-            </a:r>
-            <a:r>
-              <a:rPr lang="en-US" sz="1400" dirty="0">
-                <a:solidFill>
-                  <a:srgbClr val="131313"/>
-                </a:solidFill>
-                <a:latin typeface="Calibri" panose="020F0502020204030204" pitchFamily="34" charset="0"/>
-                <a:cs typeface="Calibri" panose="020F0502020204030204" pitchFamily="34" charset="0"/>
-                <a:hlinkClick r:id="rId6"/>
-              </a:rPr>
-              <a:t>=</a:t>
-            </a:r>
-            <a:r>
-              <a:rPr lang="en-US" sz="1400" dirty="0" err="1">
-                <a:solidFill>
-                  <a:srgbClr val="131313"/>
-                </a:solidFill>
-                <a:latin typeface="Calibri" panose="020F0502020204030204" pitchFamily="34" charset="0"/>
-                <a:cs typeface="Calibri" panose="020F0502020204030204" pitchFamily="34" charset="0"/>
-                <a:hlinkClick r:id="rId6"/>
-              </a:rPr>
-              <a:t>meRdEynmPVo</a:t>
-            </a:r>
-            <a:endParaRPr lang="en-US" sz="1400" dirty="0">
+              <a:t>https://www.youtube.com/watch?v=meRdEynmPVo</a:t>
+            </a:r>
+            <a:endParaRPr lang="en-US" sz="1200" dirty="0">
               <a:solidFill>
                 <a:srgbClr val="131313"/>
               </a:solidFill>
@@ -5035,7 +4900,7 @@
             </a:endParaRPr>
           </a:p>
           <a:p>
-            <a:endParaRPr lang="en-US" sz="1400" dirty="0">
+            <a:endParaRPr lang="en-US" sz="1200" dirty="0">
               <a:solidFill>
                 <a:srgbClr val="131313"/>
               </a:solidFill>
@@ -5045,7 +4910,7 @@
           </a:p>
           <a:p>
             <a:r>
-              <a:rPr lang="en-US" sz="1400" dirty="0">
+              <a:rPr lang="en-US" sz="1200" dirty="0">
                 <a:solidFill>
                   <a:srgbClr val="131313"/>
                 </a:solidFill>
@@ -5057,7 +4922,7 @@
           </a:p>
           <a:p>
             <a:r>
-              <a:rPr lang="en-US" sz="1400" dirty="0">
+              <a:rPr lang="en-US" sz="1200" dirty="0">
                 <a:solidFill>
                   <a:srgbClr val="131313"/>
                 </a:solidFill>
@@ -5065,53 +4930,9 @@
                 <a:cs typeface="Calibri" panose="020F0502020204030204" pitchFamily="34" charset="0"/>
                 <a:hlinkClick r:id="rId7"/>
               </a:rPr>
-              <a:t>https://</a:t>
-            </a:r>
-            <a:r>
-              <a:rPr lang="en-US" sz="1400" dirty="0" err="1">
-                <a:solidFill>
-                  <a:srgbClr val="131313"/>
-                </a:solidFill>
-                <a:latin typeface="Calibri" panose="020F0502020204030204" pitchFamily="34" charset="0"/>
-                <a:cs typeface="Calibri" panose="020F0502020204030204" pitchFamily="34" charset="0"/>
-                <a:hlinkClick r:id="rId7"/>
-              </a:rPr>
-              <a:t>www.youtube.com</a:t>
-            </a:r>
-            <a:r>
-              <a:rPr lang="en-US" sz="1400" dirty="0">
-                <a:solidFill>
-                  <a:srgbClr val="131313"/>
-                </a:solidFill>
-                <a:latin typeface="Calibri" panose="020F0502020204030204" pitchFamily="34" charset="0"/>
-                <a:cs typeface="Calibri" panose="020F0502020204030204" pitchFamily="34" charset="0"/>
-                <a:hlinkClick r:id="rId7"/>
-              </a:rPr>
-              <a:t>/</a:t>
-            </a:r>
-            <a:r>
-              <a:rPr lang="en-US" sz="1400" dirty="0" err="1">
-                <a:solidFill>
-                  <a:srgbClr val="131313"/>
-                </a:solidFill>
-                <a:latin typeface="Calibri" panose="020F0502020204030204" pitchFamily="34" charset="0"/>
-                <a:cs typeface="Calibri" panose="020F0502020204030204" pitchFamily="34" charset="0"/>
-                <a:hlinkClick r:id="rId7"/>
-              </a:rPr>
-              <a:t>watch?v</a:t>
-            </a:r>
-            <a:r>
-              <a:rPr lang="en-US" sz="1400" dirty="0">
-                <a:solidFill>
-                  <a:srgbClr val="131313"/>
-                </a:solidFill>
-                <a:latin typeface="Calibri" panose="020F0502020204030204" pitchFamily="34" charset="0"/>
-                <a:cs typeface="Calibri" panose="020F0502020204030204" pitchFamily="34" charset="0"/>
-                <a:hlinkClick r:id="rId7"/>
-              </a:rPr>
-              <a:t>=mVLKFwymZL4</a:t>
-            </a:r>
-            <a:endParaRPr lang="en-US" sz="1400" dirty="0">
+              <a:t>https://www.youtube.com/watch?v=mVLKFwymZL4</a:t>
+            </a:r>
+            <a:endParaRPr lang="en-US" sz="1200" dirty="0">
               <a:solidFill>
                 <a:srgbClr val="131313"/>
               </a:solidFill>
@@ -5120,7 +4941,7 @@
             </a:endParaRPr>
           </a:p>
           <a:p>
-            <a:endParaRPr lang="en-US" sz="1400" dirty="0">
+            <a:endParaRPr lang="en-US" sz="1200" dirty="0">
               <a:solidFill>
                 <a:srgbClr val="131313"/>
               </a:solidFill>
@@ -5130,7 +4951,7 @@
           </a:p>
           <a:p>
             <a:r>
-              <a:rPr lang="en-US" sz="1400" dirty="0">
+              <a:rPr lang="en-US" sz="1200" dirty="0">
                 <a:solidFill>
                   <a:srgbClr val="131313"/>
                 </a:solidFill>
@@ -5142,7 +4963,7 @@
           </a:p>
           <a:p>
             <a:r>
-              <a:rPr lang="en-US" sz="1400" dirty="0">
+              <a:rPr lang="en-US" sz="1200" dirty="0">
                 <a:solidFill>
                   <a:srgbClr val="131313"/>
                 </a:solidFill>
@@ -5150,31 +4971,9 @@
                 <a:cs typeface="Calibri" panose="020F0502020204030204" pitchFamily="34" charset="0"/>
                 <a:hlinkClick r:id="rId8"/>
               </a:rPr>
-              <a:t>https://</a:t>
-            </a:r>
-            <a:r>
-              <a:rPr lang="en-US" sz="1400" dirty="0" err="1">
-                <a:solidFill>
-                  <a:srgbClr val="131313"/>
-                </a:solidFill>
-                <a:latin typeface="Calibri" panose="020F0502020204030204" pitchFamily="34" charset="0"/>
-                <a:cs typeface="Calibri" panose="020F0502020204030204" pitchFamily="34" charset="0"/>
-                <a:hlinkClick r:id="rId8"/>
-              </a:rPr>
-              <a:t>www.deltafaucet.com</a:t>
-            </a:r>
-            <a:r>
-              <a:rPr lang="en-US" sz="1400" dirty="0">
-                <a:solidFill>
-                  <a:srgbClr val="131313"/>
-                </a:solidFill>
-                <a:latin typeface="Calibri" panose="020F0502020204030204" pitchFamily="34" charset="0"/>
-                <a:cs typeface="Calibri" panose="020F0502020204030204" pitchFamily="34" charset="0"/>
-                <a:hlinkClick r:id="rId8"/>
-              </a:rPr>
-              <a:t>/service-parts/contact-us</a:t>
-            </a:r>
-            <a:endParaRPr lang="en-US" sz="1400" dirty="0">
+              <a:t>https://www.deltafaucet.com/service-parts/contact-us</a:t>
+            </a:r>
+            <a:endParaRPr lang="en-US" sz="1200" dirty="0">
               <a:solidFill>
                 <a:srgbClr val="131313"/>
               </a:solidFill>
@@ -5184,7 +4983,7 @@
           </a:p>
           <a:p>
             <a:r>
-              <a:rPr lang="en-US" sz="1400" b="0" i="0" dirty="0">
+              <a:rPr lang="en-US" sz="1200" b="0" i="0" dirty="0">
                 <a:solidFill>
                   <a:srgbClr val="000000"/>
                 </a:solidFill>
@@ -5194,7 +4993,7 @@
               </a:rPr>
               <a:t>1-800-345-DELTA (3358)</a:t>
             </a:r>
-            <a:endParaRPr lang="en-US" sz="1400" b="0" i="0" dirty="0">
+            <a:endParaRPr lang="en-US" sz="1200" b="0" i="0" dirty="0">
               <a:solidFill>
                 <a:srgbClr val="131313"/>
               </a:solidFill>
@@ -5205,7 +5004,7 @@
           </a:p>
           <a:p>
             <a:r>
-              <a:rPr lang="en-US" sz="1400" b="0" i="0" dirty="0">
+              <a:rPr lang="en-US" sz="1200" b="0" i="0" dirty="0">
                 <a:solidFill>
                   <a:srgbClr val="18191D"/>
                 </a:solidFill>
@@ -5288,23 +5087,7 @@
                 <a:cs typeface="Calibri" panose="020F0502020204030204" pitchFamily="34" charset="0"/>
                 <a:hlinkClick r:id="rId10"/>
               </a:rPr>
-              <a:t>https://</a:t>
-            </a:r>
-            <a:r>
-              <a:rPr lang="en-US" sz="1200" dirty="0" err="1">
-                <a:latin typeface="Calibri" panose="020F0502020204030204" pitchFamily="34" charset="0"/>
-                <a:cs typeface="Calibri" panose="020F0502020204030204" pitchFamily="34" charset="0"/>
-                <a:hlinkClick r:id="rId10"/>
-              </a:rPr>
-              <a:t>www.amazon.com</a:t>
-            </a:r>
-            <a:r>
-              <a:rPr lang="en-US" sz="1200" dirty="0">
-                <a:latin typeface="Calibri" panose="020F0502020204030204" pitchFamily="34" charset="0"/>
-                <a:cs typeface="Calibri" panose="020F0502020204030204" pitchFamily="34" charset="0"/>
-                <a:hlinkClick r:id="rId10"/>
-              </a:rPr>
-              <a:t>/</a:t>
+              <a:t>https://www.amazon.com/</a:t>
             </a:r>
             <a:r>
               <a:rPr lang="en-US" sz="1200" dirty="0" err="1">
@@ -5343,8 +5126,8 @@
         </p:nvSpPr>
         <p:spPr>
           <a:xfrm>
-            <a:off x="9256863" y="6357711"/>
-            <a:ext cx="3032760" cy="461665"/>
+            <a:off x="9850421" y="4363536"/>
+            <a:ext cx="2341579" cy="415498"/>
           </a:xfrm>
           <a:prstGeom prst="rect">
             <a:avLst/>
@@ -5370,7 +5153,7 @@
           </a:p>
           <a:p>
             <a:r>
-              <a:rPr lang="en-US" sz="1200" b="0" i="0" dirty="0">
+              <a:rPr lang="en-US" sz="900" b="0" i="0" dirty="0">
                 <a:solidFill>
                   <a:srgbClr val="0F1111"/>
                 </a:solidFill>
@@ -5381,7 +5164,7 @@
               <a:t>https://www.amazon.com/</a:t>
             </a:r>
             <a:r>
-              <a:rPr lang="en-US" sz="1200" b="0" i="0" dirty="0" err="1">
+              <a:rPr lang="en-US" sz="900" b="0" i="0" dirty="0" err="1">
                 <a:solidFill>
                   <a:srgbClr val="0F1111"/>
                 </a:solidFill>
@@ -5392,7 +5175,7 @@
               <a:t>dp</a:t>
             </a:r>
             <a:r>
-              <a:rPr lang="en-US" sz="1200" b="0" i="0" dirty="0">
+              <a:rPr lang="en-US" sz="900" b="0" i="0" dirty="0">
                 <a:solidFill>
                   <a:srgbClr val="0F1111"/>
                 </a:solidFill>
@@ -5403,7 +5186,7 @@
               <a:t>/B001DU0GLY</a:t>
             </a:r>
             <a:r>
-              <a:rPr lang="en-US" sz="1200" b="0" i="0" dirty="0">
+              <a:rPr lang="en-US" sz="900" b="0" i="0" dirty="0">
                 <a:solidFill>
                   <a:srgbClr val="0F1111"/>
                 </a:solidFill>
@@ -5412,7 +5195,7 @@
               </a:rPr>
               <a:t> </a:t>
             </a:r>
-            <a:endParaRPr lang="en-US" sz="1200" dirty="0"/>
+            <a:endParaRPr lang="en-US" sz="900" dirty="0"/>
           </a:p>
         </p:txBody>
       </p:sp>
@@ -5444,8 +5227,8 @@
         </p:blipFill>
         <p:spPr>
           <a:xfrm>
-            <a:off x="9725224" y="4717115"/>
-            <a:ext cx="2096038" cy="1586096"/>
+            <a:off x="10405193" y="3002209"/>
+            <a:ext cx="1672959" cy="1265947"/>
           </a:xfrm>
           <a:prstGeom prst="rect">
             <a:avLst/>
@@ -5516,8 +5299,8 @@
         </p:blipFill>
         <p:spPr>
           <a:xfrm>
-            <a:off x="7720039" y="4172255"/>
-            <a:ext cx="1291148" cy="2017418"/>
+            <a:off x="8439950" y="4376374"/>
+            <a:ext cx="1013454" cy="1583521"/>
           </a:xfrm>
           <a:prstGeom prst="rect">
             <a:avLst/>
@@ -5538,8 +5321,8 @@
         </p:nvSpPr>
         <p:spPr>
           <a:xfrm>
-            <a:off x="5661943" y="6198878"/>
-            <a:ext cx="3467501" cy="461665"/>
+            <a:off x="7004545" y="6033193"/>
+            <a:ext cx="2766242" cy="738664"/>
           </a:xfrm>
           <a:prstGeom prst="rect">
             <a:avLst/>
@@ -5556,12 +5339,21 @@
               <a:rPr lang="en-US" sz="1200" dirty="0">
                 <a:latin typeface="Calibri" panose="020F0502020204030204" pitchFamily="34" charset="0"/>
                 <a:cs typeface="Calibri" panose="020F0502020204030204" pitchFamily="34" charset="0"/>
+              </a:rPr>
+              <a:t>Taking off the bonnet nut – cut with a file, then use screwdriver and hammer:</a:t>
+            </a:r>
+          </a:p>
+          <a:p>
+            <a:r>
+              <a:rPr lang="en-US" sz="900" dirty="0">
+                <a:latin typeface="Calibri" panose="020F0502020204030204" pitchFamily="34" charset="0"/>
+                <a:cs typeface="Calibri" panose="020F0502020204030204" pitchFamily="34" charset="0"/>
                 <a:hlinkClick r:id="rId15"/>
               </a:rPr>
               <a:t>https://www.youtube.com/watch?v=qD6j2vWpP4A</a:t>
             </a:r>
             <a:r>
-              <a:rPr lang="en-US" sz="1200" dirty="0">
+              <a:rPr lang="en-US" sz="900" dirty="0">
                 <a:latin typeface="Calibri" panose="020F0502020204030204" pitchFamily="34" charset="0"/>
                 <a:cs typeface="Calibri" panose="020F0502020204030204" pitchFamily="34" charset="0"/>
               </a:rPr>
@@ -5570,7 +5362,7 @@
           </a:p>
           <a:p>
             <a:r>
-              <a:rPr lang="en-US" sz="1200" dirty="0">
+              <a:rPr lang="en-US" sz="900" dirty="0">
                 <a:latin typeface="Calibri" panose="020F0502020204030204" pitchFamily="34" charset="0"/>
                 <a:cs typeface="Calibri" panose="020F0502020204030204" pitchFamily="34" charset="0"/>
                 <a:hlinkClick r:id="rId16"/>
@@ -5578,7 +5370,7 @@
               <a:t>https://</a:t>
             </a:r>
             <a:r>
-              <a:rPr lang="en-US" sz="1200" dirty="0" err="1">
+              <a:rPr lang="en-US" sz="900" dirty="0" err="1">
                 <a:latin typeface="Calibri" panose="020F0502020204030204" pitchFamily="34" charset="0"/>
                 <a:cs typeface="Calibri" panose="020F0502020204030204" pitchFamily="34" charset="0"/>
                 <a:hlinkClick r:id="rId16"/>
@@ -5586,14 +5378,14 @@
               <a:t>www.youtube.com</a:t>
             </a:r>
             <a:r>
-              <a:rPr lang="en-US" sz="1200" dirty="0">
+              <a:rPr lang="en-US" sz="900" dirty="0">
                 <a:latin typeface="Calibri" panose="020F0502020204030204" pitchFamily="34" charset="0"/>
                 <a:cs typeface="Calibri" panose="020F0502020204030204" pitchFamily="34" charset="0"/>
                 <a:hlinkClick r:id="rId16"/>
               </a:rPr>
               <a:t>/shorts/sH63hY-eUzg</a:t>
             </a:r>
-            <a:endParaRPr lang="en-US" sz="1200" dirty="0">
+            <a:endParaRPr lang="en-US" sz="900" dirty="0">
               <a:latin typeface="Calibri" panose="020F0502020204030204" pitchFamily="34" charset="0"/>
               <a:cs typeface="Calibri" panose="020F0502020204030204" pitchFamily="34" charset="0"/>
             </a:endParaRPr>
@@ -5628,7 +5420,7 @@
         </p:blipFill>
         <p:spPr>
           <a:xfrm>
-            <a:off x="5534525" y="4307672"/>
+            <a:off x="4957112" y="4373802"/>
             <a:ext cx="2035552" cy="1586096"/>
           </a:xfrm>
           <a:prstGeom prst="rect">
@@ -5711,6 +5503,80 @@
               <a:t>RP46463 cartridge</a:t>
             </a:r>
             <a:endParaRPr lang="en-US" sz="1400" dirty="0"/>
+          </a:p>
+        </p:txBody>
+      </p:sp>
+      <p:pic>
+        <p:nvPicPr>
+          <p:cNvPr id="3" name="Picture 2">
+            <a:extLst>
+              <a:ext uri="{FF2B5EF4-FFF2-40B4-BE49-F238E27FC236}">
+                <a16:creationId xmlns:a16="http://schemas.microsoft.com/office/drawing/2014/main" id="{E4C7EE3C-4F67-E409-4606-517FABBDFAEF}"/>
+              </a:ext>
+            </a:extLst>
+          </p:cNvPr>
+          <p:cNvPicPr>
+            <a:picLocks noChangeAspect="1"/>
+          </p:cNvPicPr>
+          <p:nvPr/>
+        </p:nvPicPr>
+        <p:blipFill>
+          <a:blip r:embed="rId19" cstate="email">
+            <a:extLst>
+              <a:ext uri="{28A0092B-C50C-407E-A947-70E740481C1C}">
+                <a14:useLocalDpi xmlns:a14="http://schemas.microsoft.com/office/drawing/2010/main"/>
+              </a:ext>
+            </a:extLst>
+          </a:blip>
+          <a:stretch>
+            <a:fillRect/>
+          </a:stretch>
+        </p:blipFill>
+        <p:spPr>
+          <a:xfrm>
+            <a:off x="7050672" y="4376376"/>
+            <a:ext cx="1303589" cy="1583521"/>
+          </a:xfrm>
+          <a:prstGeom prst="rect">
+            <a:avLst/>
+          </a:prstGeom>
+        </p:spPr>
+      </p:pic>
+      <p:sp>
+        <p:nvSpPr>
+          <p:cNvPr id="7" name="TextBox 6">
+            <a:extLst>
+              <a:ext uri="{FF2B5EF4-FFF2-40B4-BE49-F238E27FC236}">
+                <a16:creationId xmlns:a16="http://schemas.microsoft.com/office/drawing/2014/main" id="{09B51A53-4F50-2E96-2903-BBD76CC92980}"/>
+              </a:ext>
+            </a:extLst>
+          </p:cNvPr>
+          <p:cNvSpPr txBox="1"/>
+          <p:nvPr/>
+        </p:nvSpPr>
+        <p:spPr>
+          <a:xfrm>
+            <a:off x="4925089" y="6090803"/>
+            <a:ext cx="1838324" cy="461665"/>
+          </a:xfrm>
+          <a:prstGeom prst="rect">
+            <a:avLst/>
+          </a:prstGeom>
+          <a:noFill/>
+        </p:spPr>
+        <p:txBody>
+          <a:bodyPr wrap="square">
+            <a:spAutoFit/>
+          </a:bodyPr>
+          <a:lstStyle/>
+          <a:p>
+            <a:r>
+              <a:rPr lang="en-US" sz="1200" dirty="0">
+                <a:latin typeface="Calibri" panose="020F0502020204030204" pitchFamily="34" charset="0"/>
+                <a:cs typeface="Calibri" panose="020F0502020204030204" pitchFamily="34" charset="0"/>
+              </a:rPr>
+              <a:t>Taking off the bonnet nut using jar opener</a:t>
+            </a:r>
           </a:p>
         </p:txBody>
       </p:sp>
